--- a/PROIECT FINAL Examen Septembrie 2024 Postman V4.pptx
+++ b/PROIECT FINAL Examen Septembrie 2024 Postman V4.pptx
@@ -211,7 +211,7 @@
           <a:p>
             <a:fld id="{135311FD-0572-403A-9AF3-298F56BEE51D}" type="datetimeFigureOut">
               <a:rPr lang="en-US" smtClean="0"/>
-              <a:t>02-Sep-24</a:t>
+              <a:t>03-Sep-24</a:t>
             </a:fld>
             <a:endParaRPr lang="en-US"/>
           </a:p>
@@ -619,7 +619,7 @@
           <a:noFill/>
           <a:extLst>
             <a:ext uri="{909E8E84-426E-40dd-AFC4-6F175D3DCCD1}">
-              <a14:hiddenFill xmlns="" xmlns:a14="http://schemas.microsoft.com/office/drawing/2010/main">
+              <a14:hiddenFill xmlns:a14="http://schemas.microsoft.com/office/drawing/2010/main" xmlns="">
                 <a:solidFill>
                   <a:srgbClr val="FFFFFF"/>
                 </a:solidFill>
@@ -678,7 +678,7 @@
             </a:ln>
             <a:extLst>
               <a:ext uri="{91240B29-F687-4f45-9708-019B960494DF}">
-                <a14:hiddenLine xmlns="" xmlns:a14="http://schemas.microsoft.com/office/drawing/2010/main" w="9525">
+                <a14:hiddenLine xmlns:a14="http://schemas.microsoft.com/office/drawing/2010/main" xmlns="" w="9525">
                   <a:solidFill>
                     <a:srgbClr val="000000"/>
                   </a:solidFill>
@@ -768,7 +768,7 @@
             </a:ln>
             <a:extLst>
               <a:ext uri="{91240B29-F687-4f45-9708-019B960494DF}">
-                <a14:hiddenLine xmlns="" xmlns:a14="http://schemas.microsoft.com/office/drawing/2010/main" w="9525">
+                <a14:hiddenLine xmlns:a14="http://schemas.microsoft.com/office/drawing/2010/main" xmlns="" w="9525">
                   <a:solidFill>
                     <a:srgbClr val="000000"/>
                   </a:solidFill>
@@ -858,7 +858,7 @@
             </a:ln>
             <a:extLst>
               <a:ext uri="{91240B29-F687-4f45-9708-019B960494DF}">
-                <a14:hiddenLine xmlns="" xmlns:a14="http://schemas.microsoft.com/office/drawing/2010/main" w="9525">
+                <a14:hiddenLine xmlns:a14="http://schemas.microsoft.com/office/drawing/2010/main" xmlns="" w="9525">
                   <a:solidFill>
                     <a:srgbClr val="000000"/>
                   </a:solidFill>
@@ -892,7 +892,7 @@
             </a:ln>
             <a:extLst>
               <a:ext uri="{91240B29-F687-4f45-9708-019B960494DF}">
-                <a14:hiddenLine xmlns="" xmlns:a14="http://schemas.microsoft.com/office/drawing/2010/main" w="9525">
+                <a14:hiddenLine xmlns:a14="http://schemas.microsoft.com/office/drawing/2010/main" xmlns="" w="9525">
                   <a:solidFill>
                     <a:srgbClr val="000000"/>
                   </a:solidFill>
@@ -982,7 +982,7 @@
             </a:ln>
             <a:extLst>
               <a:ext uri="{91240B29-F687-4f45-9708-019B960494DF}">
-                <a14:hiddenLine xmlns="" xmlns:a14="http://schemas.microsoft.com/office/drawing/2010/main" w="9525">
+                <a14:hiddenLine xmlns:a14="http://schemas.microsoft.com/office/drawing/2010/main" xmlns="" w="9525">
                   <a:solidFill>
                     <a:srgbClr val="000000"/>
                   </a:solidFill>
@@ -1044,7 +1044,7 @@
             </a:ln>
             <a:extLst>
               <a:ext uri="{91240B29-F687-4f45-9708-019B960494DF}">
-                <a14:hiddenLine xmlns="" xmlns:a14="http://schemas.microsoft.com/office/drawing/2010/main" w="9525">
+                <a14:hiddenLine xmlns:a14="http://schemas.microsoft.com/office/drawing/2010/main" xmlns="" w="9525">
                   <a:solidFill>
                     <a:srgbClr val="000000"/>
                   </a:solidFill>
@@ -1106,7 +1106,7 @@
             </a:ln>
             <a:extLst>
               <a:ext uri="{91240B29-F687-4f45-9708-019B960494DF}">
-                <a14:hiddenLine xmlns="" xmlns:a14="http://schemas.microsoft.com/office/drawing/2010/main" w="9525">
+                <a14:hiddenLine xmlns:a14="http://schemas.microsoft.com/office/drawing/2010/main" xmlns="" w="9525">
                   <a:solidFill>
                     <a:srgbClr val="000000"/>
                   </a:solidFill>
@@ -1196,7 +1196,7 @@
             </a:ln>
             <a:extLst>
               <a:ext uri="{91240B29-F687-4f45-9708-019B960494DF}">
-                <a14:hiddenLine xmlns="" xmlns:a14="http://schemas.microsoft.com/office/drawing/2010/main" w="9525">
+                <a14:hiddenLine xmlns:a14="http://schemas.microsoft.com/office/drawing/2010/main" xmlns="" w="9525">
                   <a:solidFill>
                     <a:srgbClr val="000000"/>
                   </a:solidFill>
@@ -1258,7 +1258,7 @@
             </a:ln>
             <a:extLst>
               <a:ext uri="{91240B29-F687-4f45-9708-019B960494DF}">
-                <a14:hiddenLine xmlns="" xmlns:a14="http://schemas.microsoft.com/office/drawing/2010/main" w="9525">
+                <a14:hiddenLine xmlns:a14="http://schemas.microsoft.com/office/drawing/2010/main" xmlns="" w="9525">
                   <a:solidFill>
                     <a:srgbClr val="000000"/>
                   </a:solidFill>
@@ -1320,7 +1320,7 @@
             </a:ln>
             <a:extLst>
               <a:ext uri="{91240B29-F687-4f45-9708-019B960494DF}">
-                <a14:hiddenLine xmlns="" xmlns:a14="http://schemas.microsoft.com/office/drawing/2010/main" w="9525">
+                <a14:hiddenLine xmlns:a14="http://schemas.microsoft.com/office/drawing/2010/main" xmlns="" w="9525">
                   <a:solidFill>
                     <a:srgbClr val="000000"/>
                   </a:solidFill>
@@ -1410,7 +1410,7 @@
             </a:ln>
             <a:extLst>
               <a:ext uri="{91240B29-F687-4f45-9708-019B960494DF}">
-                <a14:hiddenLine xmlns="" xmlns:a14="http://schemas.microsoft.com/office/drawing/2010/main" w="9525">
+                <a14:hiddenLine xmlns:a14="http://schemas.microsoft.com/office/drawing/2010/main" xmlns="" w="9525">
                   <a:solidFill>
                     <a:srgbClr val="000000"/>
                   </a:solidFill>
@@ -1500,7 +1500,7 @@
             </a:ln>
             <a:extLst>
               <a:ext uri="{91240B29-F687-4f45-9708-019B960494DF}">
-                <a14:hiddenLine xmlns="" xmlns:a14="http://schemas.microsoft.com/office/drawing/2010/main" w="9525">
+                <a14:hiddenLine xmlns:a14="http://schemas.microsoft.com/office/drawing/2010/main" xmlns="" w="9525">
                   <a:solidFill>
                     <a:srgbClr val="000000"/>
                   </a:solidFill>
@@ -1562,7 +1562,7 @@
             </a:ln>
             <a:extLst>
               <a:ext uri="{91240B29-F687-4f45-9708-019B960494DF}">
-                <a14:hiddenLine xmlns="" xmlns:a14="http://schemas.microsoft.com/office/drawing/2010/main" w="9525">
+                <a14:hiddenLine xmlns:a14="http://schemas.microsoft.com/office/drawing/2010/main" xmlns="" w="9525">
                   <a:solidFill>
                     <a:srgbClr val="000000"/>
                   </a:solidFill>
@@ -1672,7 +1672,7 @@
             </a:ln>
             <a:extLst>
               <a:ext uri="{91240B29-F687-4f45-9708-019B960494DF}">
-                <a14:hiddenLine xmlns="" xmlns:a14="http://schemas.microsoft.com/office/drawing/2010/main" w="9525">
+                <a14:hiddenLine xmlns:a14="http://schemas.microsoft.com/office/drawing/2010/main" xmlns="" w="9525">
                   <a:solidFill>
                     <a:srgbClr val="000000"/>
                   </a:solidFill>
@@ -1734,7 +1734,7 @@
             </a:ln>
             <a:extLst>
               <a:ext uri="{91240B29-F687-4f45-9708-019B960494DF}">
-                <a14:hiddenLine xmlns="" xmlns:a14="http://schemas.microsoft.com/office/drawing/2010/main" w="9525">
+                <a14:hiddenLine xmlns:a14="http://schemas.microsoft.com/office/drawing/2010/main" xmlns="" w="9525">
                   <a:solidFill>
                     <a:srgbClr val="000000"/>
                   </a:solidFill>
@@ -1824,7 +1824,7 @@
             </a:ln>
             <a:extLst>
               <a:ext uri="{91240B29-F687-4f45-9708-019B960494DF}">
-                <a14:hiddenLine xmlns="" xmlns:a14="http://schemas.microsoft.com/office/drawing/2010/main" w="9525">
+                <a14:hiddenLine xmlns:a14="http://schemas.microsoft.com/office/drawing/2010/main" xmlns="" w="9525">
                   <a:solidFill>
                     <a:srgbClr val="000000"/>
                   </a:solidFill>
@@ -1914,7 +1914,7 @@
             </a:ln>
             <a:extLst>
               <a:ext uri="{91240B29-F687-4f45-9708-019B960494DF}">
-                <a14:hiddenLine xmlns="" xmlns:a14="http://schemas.microsoft.com/office/drawing/2010/main" w="9525">
+                <a14:hiddenLine xmlns:a14="http://schemas.microsoft.com/office/drawing/2010/main" xmlns="" w="9525">
                   <a:solidFill>
                     <a:srgbClr val="000000"/>
                   </a:solidFill>
@@ -1976,7 +1976,7 @@
             </a:ln>
             <a:extLst>
               <a:ext uri="{91240B29-F687-4f45-9708-019B960494DF}">
-                <a14:hiddenLine xmlns="" xmlns:a14="http://schemas.microsoft.com/office/drawing/2010/main" w="9525">
+                <a14:hiddenLine xmlns:a14="http://schemas.microsoft.com/office/drawing/2010/main" xmlns="" w="9525">
                   <a:solidFill>
                     <a:srgbClr val="000000"/>
                   </a:solidFill>
@@ -2066,7 +2066,7 @@
             </a:ln>
             <a:extLst>
               <a:ext uri="{91240B29-F687-4f45-9708-019B960494DF}">
-                <a14:hiddenLine xmlns="" xmlns:a14="http://schemas.microsoft.com/office/drawing/2010/main" w="9525">
+                <a14:hiddenLine xmlns:a14="http://schemas.microsoft.com/office/drawing/2010/main" xmlns="" w="9525">
                   <a:solidFill>
                     <a:srgbClr val="000000"/>
                   </a:solidFill>
@@ -2156,7 +2156,7 @@
             </a:ln>
             <a:extLst>
               <a:ext uri="{91240B29-F687-4f45-9708-019B960494DF}">
-                <a14:hiddenLine xmlns="" xmlns:a14="http://schemas.microsoft.com/office/drawing/2010/main" w="9525">
+                <a14:hiddenLine xmlns:a14="http://schemas.microsoft.com/office/drawing/2010/main" xmlns="" w="9525">
                   <a:solidFill>
                     <a:srgbClr val="000000"/>
                   </a:solidFill>
@@ -2212,7 +2212,7 @@
             </a:ln>
             <a:extLst>
               <a:ext uri="{91240B29-F687-4f45-9708-019B960494DF}">
-                <a14:hiddenLine xmlns="" xmlns:a14="http://schemas.microsoft.com/office/drawing/2010/main" w="9525">
+                <a14:hiddenLine xmlns:a14="http://schemas.microsoft.com/office/drawing/2010/main" xmlns="" w="9525">
                   <a:solidFill>
                     <a:srgbClr val="000000"/>
                   </a:solidFill>
@@ -2302,7 +2302,7 @@
             </a:ln>
             <a:extLst>
               <a:ext uri="{91240B29-F687-4f45-9708-019B960494DF}">
-                <a14:hiddenLine xmlns="" xmlns:a14="http://schemas.microsoft.com/office/drawing/2010/main" w="9525">
+                <a14:hiddenLine xmlns:a14="http://schemas.microsoft.com/office/drawing/2010/main" xmlns="" w="9525">
                   <a:solidFill>
                     <a:srgbClr val="000000"/>
                   </a:solidFill>
@@ -2358,7 +2358,7 @@
             </a:ln>
             <a:extLst>
               <a:ext uri="{91240B29-F687-4f45-9708-019B960494DF}">
-                <a14:hiddenLine xmlns="" xmlns:a14="http://schemas.microsoft.com/office/drawing/2010/main" w="9525">
+                <a14:hiddenLine xmlns:a14="http://schemas.microsoft.com/office/drawing/2010/main" xmlns="" w="9525">
                   <a:solidFill>
                     <a:srgbClr val="000000"/>
                   </a:solidFill>
@@ -2448,7 +2448,7 @@
             </a:ln>
             <a:extLst>
               <a:ext uri="{91240B29-F687-4f45-9708-019B960494DF}">
-                <a14:hiddenLine xmlns="" xmlns:a14="http://schemas.microsoft.com/office/drawing/2010/main" w="9525">
+                <a14:hiddenLine xmlns:a14="http://schemas.microsoft.com/office/drawing/2010/main" xmlns="" w="9525">
                   <a:solidFill>
                     <a:srgbClr val="000000"/>
                   </a:solidFill>
@@ -2516,7 +2516,7 @@
             </a:ln>
             <a:extLst>
               <a:ext uri="{91240B29-F687-4f45-9708-019B960494DF}">
-                <a14:hiddenLine xmlns="" xmlns:a14="http://schemas.microsoft.com/office/drawing/2010/main" w="9525">
+                <a14:hiddenLine xmlns:a14="http://schemas.microsoft.com/office/drawing/2010/main" xmlns="" w="9525">
                   <a:solidFill>
                     <a:srgbClr val="000000"/>
                   </a:solidFill>
@@ -2606,7 +2606,7 @@
             </a:ln>
             <a:extLst>
               <a:ext uri="{91240B29-F687-4f45-9708-019B960494DF}">
-                <a14:hiddenLine xmlns="" xmlns:a14="http://schemas.microsoft.com/office/drawing/2010/main" w="9525">
+                <a14:hiddenLine xmlns:a14="http://schemas.microsoft.com/office/drawing/2010/main" xmlns="" w="9525">
                   <a:solidFill>
                     <a:srgbClr val="000000"/>
                   </a:solidFill>
@@ -2674,7 +2674,7 @@
             </a:ln>
             <a:extLst>
               <a:ext uri="{91240B29-F687-4f45-9708-019B960494DF}">
-                <a14:hiddenLine xmlns="" xmlns:a14="http://schemas.microsoft.com/office/drawing/2010/main" w="9525">
+                <a14:hiddenLine xmlns:a14="http://schemas.microsoft.com/office/drawing/2010/main" xmlns="" w="9525">
                   <a:solidFill>
                     <a:srgbClr val="000000"/>
                   </a:solidFill>
@@ -2764,7 +2764,7 @@
             </a:ln>
             <a:extLst>
               <a:ext uri="{91240B29-F687-4f45-9708-019B960494DF}">
-                <a14:hiddenLine xmlns="" xmlns:a14="http://schemas.microsoft.com/office/drawing/2010/main" w="9525">
+                <a14:hiddenLine xmlns:a14="http://schemas.microsoft.com/office/drawing/2010/main" xmlns="" w="9525">
                   <a:solidFill>
                     <a:srgbClr val="000000"/>
                   </a:solidFill>
@@ -2798,7 +2798,7 @@
             </a:ln>
             <a:extLst>
               <a:ext uri="{91240B29-F687-4f45-9708-019B960494DF}">
-                <a14:hiddenLine xmlns="" xmlns:a14="http://schemas.microsoft.com/office/drawing/2010/main" w="9525">
+                <a14:hiddenLine xmlns:a14="http://schemas.microsoft.com/office/drawing/2010/main" xmlns="" w="9525">
                   <a:solidFill>
                     <a:srgbClr val="000000"/>
                   </a:solidFill>
@@ -2888,7 +2888,7 @@
             </a:ln>
             <a:extLst>
               <a:ext uri="{91240B29-F687-4f45-9708-019B960494DF}">
-                <a14:hiddenLine xmlns="" xmlns:a14="http://schemas.microsoft.com/office/drawing/2010/main" w="9525">
+                <a14:hiddenLine xmlns:a14="http://schemas.microsoft.com/office/drawing/2010/main" xmlns="" w="9525">
                   <a:solidFill>
                     <a:srgbClr val="000000"/>
                   </a:solidFill>
@@ -2950,7 +2950,7 @@
             </a:ln>
             <a:extLst>
               <a:ext uri="{91240B29-F687-4f45-9708-019B960494DF}">
-                <a14:hiddenLine xmlns="" xmlns:a14="http://schemas.microsoft.com/office/drawing/2010/main" w="9525">
+                <a14:hiddenLine xmlns:a14="http://schemas.microsoft.com/office/drawing/2010/main" xmlns="" w="9525">
                   <a:solidFill>
                     <a:srgbClr val="000000"/>
                   </a:solidFill>
@@ -3012,7 +3012,7 @@
             </a:ln>
             <a:extLst>
               <a:ext uri="{91240B29-F687-4f45-9708-019B960494DF}">
-                <a14:hiddenLine xmlns="" xmlns:a14="http://schemas.microsoft.com/office/drawing/2010/main" w="9525">
+                <a14:hiddenLine xmlns:a14="http://schemas.microsoft.com/office/drawing/2010/main" xmlns="" w="9525">
                   <a:solidFill>
                     <a:srgbClr val="000000"/>
                   </a:solidFill>
@@ -3102,7 +3102,7 @@
             </a:ln>
             <a:extLst>
               <a:ext uri="{91240B29-F687-4f45-9708-019B960494DF}">
-                <a14:hiddenLine xmlns="" xmlns:a14="http://schemas.microsoft.com/office/drawing/2010/main" w="9525">
+                <a14:hiddenLine xmlns:a14="http://schemas.microsoft.com/office/drawing/2010/main" xmlns="" w="9525">
                   <a:solidFill>
                     <a:srgbClr val="000000"/>
                   </a:solidFill>
@@ -3170,7 +3170,7 @@
             </a:ln>
             <a:extLst>
               <a:ext uri="{91240B29-F687-4f45-9708-019B960494DF}">
-                <a14:hiddenLine xmlns="" xmlns:a14="http://schemas.microsoft.com/office/drawing/2010/main" w="9525">
+                <a14:hiddenLine xmlns:a14="http://schemas.microsoft.com/office/drawing/2010/main" xmlns="" w="9525">
                   <a:solidFill>
                     <a:srgbClr val="000000"/>
                   </a:solidFill>
@@ -3232,7 +3232,7 @@
             </a:ln>
             <a:extLst>
               <a:ext uri="{91240B29-F687-4f45-9708-019B960494DF}">
-                <a14:hiddenLine xmlns="" xmlns:a14="http://schemas.microsoft.com/office/drawing/2010/main" w="9525">
+                <a14:hiddenLine xmlns:a14="http://schemas.microsoft.com/office/drawing/2010/main" xmlns="" w="9525">
                   <a:solidFill>
                     <a:srgbClr val="000000"/>
                   </a:solidFill>
@@ -3322,7 +3322,7 @@
             </a:ln>
             <a:extLst>
               <a:ext uri="{91240B29-F687-4f45-9708-019B960494DF}">
-                <a14:hiddenLine xmlns="" xmlns:a14="http://schemas.microsoft.com/office/drawing/2010/main" w="9525">
+                <a14:hiddenLine xmlns:a14="http://schemas.microsoft.com/office/drawing/2010/main" xmlns="" w="9525">
                   <a:solidFill>
                     <a:srgbClr val="000000"/>
                   </a:solidFill>
@@ -3384,7 +3384,7 @@
             </a:ln>
             <a:extLst>
               <a:ext uri="{91240B29-F687-4f45-9708-019B960494DF}">
-                <a14:hiddenLine xmlns="" xmlns:a14="http://schemas.microsoft.com/office/drawing/2010/main" w="9525">
+                <a14:hiddenLine xmlns:a14="http://schemas.microsoft.com/office/drawing/2010/main" xmlns="" w="9525">
                   <a:solidFill>
                     <a:srgbClr val="000000"/>
                   </a:solidFill>
@@ -3474,7 +3474,7 @@
             </a:ln>
             <a:extLst>
               <a:ext uri="{91240B29-F687-4f45-9708-019B960494DF}">
-                <a14:hiddenLine xmlns="" xmlns:a14="http://schemas.microsoft.com/office/drawing/2010/main" w="9525">
+                <a14:hiddenLine xmlns:a14="http://schemas.microsoft.com/office/drawing/2010/main" xmlns="" w="9525">
                   <a:solidFill>
                     <a:srgbClr val="000000"/>
                   </a:solidFill>
@@ -3536,7 +3536,7 @@
             </a:ln>
             <a:extLst>
               <a:ext uri="{91240B29-F687-4f45-9708-019B960494DF}">
-                <a14:hiddenLine xmlns="" xmlns:a14="http://schemas.microsoft.com/office/drawing/2010/main" w="9525">
+                <a14:hiddenLine xmlns:a14="http://schemas.microsoft.com/office/drawing/2010/main" xmlns="" w="9525">
                   <a:solidFill>
                     <a:srgbClr val="000000"/>
                   </a:solidFill>
@@ -3626,7 +3626,7 @@
             </a:ln>
             <a:extLst>
               <a:ext uri="{91240B29-F687-4f45-9708-019B960494DF}">
-                <a14:hiddenLine xmlns="" xmlns:a14="http://schemas.microsoft.com/office/drawing/2010/main" w="9525">
+                <a14:hiddenLine xmlns:a14="http://schemas.microsoft.com/office/drawing/2010/main" xmlns="" w="9525">
                   <a:solidFill>
                     <a:srgbClr val="000000"/>
                   </a:solidFill>
@@ -3660,7 +3660,7 @@
             </a:ln>
             <a:extLst>
               <a:ext uri="{91240B29-F687-4f45-9708-019B960494DF}">
-                <a14:hiddenLine xmlns="" xmlns:a14="http://schemas.microsoft.com/office/drawing/2010/main" w="9525">
+                <a14:hiddenLine xmlns:a14="http://schemas.microsoft.com/office/drawing/2010/main" xmlns="" w="9525">
                   <a:solidFill>
                     <a:srgbClr val="000000"/>
                   </a:solidFill>
@@ -3725,7 +3725,7 @@
             </a:ln>
             <a:extLst>
               <a:ext uri="{91240B29-F687-4f45-9708-019B960494DF}">
-                <a14:hiddenLine xmlns="" xmlns:a14="http://schemas.microsoft.com/office/drawing/2010/main" w="9525">
+                <a14:hiddenLine xmlns:a14="http://schemas.microsoft.com/office/drawing/2010/main" xmlns="" w="9525">
                   <a:solidFill>
                     <a:srgbClr val="000000"/>
                   </a:solidFill>
@@ -3815,7 +3815,7 @@
             </a:ln>
             <a:extLst>
               <a:ext uri="{91240B29-F687-4f45-9708-019B960494DF}">
-                <a14:hiddenLine xmlns="" xmlns:a14="http://schemas.microsoft.com/office/drawing/2010/main" w="9525">
+                <a14:hiddenLine xmlns:a14="http://schemas.microsoft.com/office/drawing/2010/main" xmlns="" w="9525">
                   <a:solidFill>
                     <a:srgbClr val="000000"/>
                   </a:solidFill>
@@ -3877,7 +3877,7 @@
             </a:ln>
             <a:extLst>
               <a:ext uri="{91240B29-F687-4f45-9708-019B960494DF}">
-                <a14:hiddenLine xmlns="" xmlns:a14="http://schemas.microsoft.com/office/drawing/2010/main" w="9525">
+                <a14:hiddenLine xmlns:a14="http://schemas.microsoft.com/office/drawing/2010/main" xmlns="" w="9525">
                   <a:solidFill>
                     <a:srgbClr val="000000"/>
                   </a:solidFill>
@@ -3967,7 +3967,7 @@
             </a:ln>
             <a:extLst>
               <a:ext uri="{91240B29-F687-4f45-9708-019B960494DF}">
-                <a14:hiddenLine xmlns="" xmlns:a14="http://schemas.microsoft.com/office/drawing/2010/main" w="9525">
+                <a14:hiddenLine xmlns:a14="http://schemas.microsoft.com/office/drawing/2010/main" xmlns="" w="9525">
                   <a:solidFill>
                     <a:srgbClr val="000000"/>
                   </a:solidFill>
@@ -4057,7 +4057,7 @@
             </a:ln>
             <a:extLst>
               <a:ext uri="{91240B29-F687-4f45-9708-019B960494DF}">
-                <a14:hiddenLine xmlns="" xmlns:a14="http://schemas.microsoft.com/office/drawing/2010/main" w="9525">
+                <a14:hiddenLine xmlns:a14="http://schemas.microsoft.com/office/drawing/2010/main" xmlns="" w="9525">
                   <a:solidFill>
                     <a:srgbClr val="000000"/>
                   </a:solidFill>
@@ -4122,7 +4122,7 @@
             </a:ln>
             <a:extLst>
               <a:ext uri="{91240B29-F687-4f45-9708-019B960494DF}">
-                <a14:hiddenLine xmlns="" xmlns:a14="http://schemas.microsoft.com/office/drawing/2010/main" w="9525">
+                <a14:hiddenLine xmlns:a14="http://schemas.microsoft.com/office/drawing/2010/main" xmlns="" w="9525">
                   <a:solidFill>
                     <a:srgbClr val="000000"/>
                   </a:solidFill>
@@ -4184,7 +4184,7 @@
             </a:ln>
             <a:extLst>
               <a:ext uri="{91240B29-F687-4f45-9708-019B960494DF}">
-                <a14:hiddenLine xmlns="" xmlns:a14="http://schemas.microsoft.com/office/drawing/2010/main" w="9525">
+                <a14:hiddenLine xmlns:a14="http://schemas.microsoft.com/office/drawing/2010/main" xmlns="" w="9525">
                   <a:solidFill>
                     <a:srgbClr val="000000"/>
                   </a:solidFill>
@@ -4274,7 +4274,7 @@
             </a:ln>
             <a:extLst>
               <a:ext uri="{91240B29-F687-4f45-9708-019B960494DF}">
-                <a14:hiddenLine xmlns="" xmlns:a14="http://schemas.microsoft.com/office/drawing/2010/main" w="9525">
+                <a14:hiddenLine xmlns:a14="http://schemas.microsoft.com/office/drawing/2010/main" xmlns="" w="9525">
                   <a:solidFill>
                     <a:srgbClr val="000000"/>
                   </a:solidFill>
@@ -4364,7 +4364,7 @@
             </a:ln>
             <a:extLst>
               <a:ext uri="{91240B29-F687-4f45-9708-019B960494DF}">
-                <a14:hiddenLine xmlns="" xmlns:a14="http://schemas.microsoft.com/office/drawing/2010/main" w="9525">
+                <a14:hiddenLine xmlns:a14="http://schemas.microsoft.com/office/drawing/2010/main" xmlns="" w="9525">
                   <a:solidFill>
                     <a:srgbClr val="000000"/>
                   </a:solidFill>
@@ -4426,7 +4426,7 @@
             </a:ln>
             <a:extLst>
               <a:ext uri="{91240B29-F687-4f45-9708-019B960494DF}">
-                <a14:hiddenLine xmlns="" xmlns:a14="http://schemas.microsoft.com/office/drawing/2010/main" w="9525">
+                <a14:hiddenLine xmlns:a14="http://schemas.microsoft.com/office/drawing/2010/main" xmlns="" w="9525">
                   <a:solidFill>
                     <a:srgbClr val="000000"/>
                   </a:solidFill>
@@ -4546,7 +4546,7 @@
             </a:ln>
             <a:extLst>
               <a:ext uri="{91240B29-F687-4f45-9708-019B960494DF}">
-                <a14:hiddenLine xmlns="" xmlns:a14="http://schemas.microsoft.com/office/drawing/2010/main" w="9525">
+                <a14:hiddenLine xmlns:a14="http://schemas.microsoft.com/office/drawing/2010/main" xmlns="" w="9525">
                   <a:solidFill>
                     <a:srgbClr val="000000"/>
                   </a:solidFill>
@@ -4614,7 +4614,7 @@
             </a:ln>
             <a:extLst>
               <a:ext uri="{91240B29-F687-4f45-9708-019B960494DF}">
-                <a14:hiddenLine xmlns="" xmlns:a14="http://schemas.microsoft.com/office/drawing/2010/main" w="9525">
+                <a14:hiddenLine xmlns:a14="http://schemas.microsoft.com/office/drawing/2010/main" xmlns="" w="9525">
                   <a:solidFill>
                     <a:srgbClr val="000000"/>
                   </a:solidFill>
@@ -4704,7 +4704,7 @@
             </a:ln>
             <a:extLst>
               <a:ext uri="{91240B29-F687-4f45-9708-019B960494DF}">
-                <a14:hiddenLine xmlns="" xmlns:a14="http://schemas.microsoft.com/office/drawing/2010/main" w="9525">
+                <a14:hiddenLine xmlns:a14="http://schemas.microsoft.com/office/drawing/2010/main" xmlns="" w="9525">
                   <a:solidFill>
                     <a:srgbClr val="000000"/>
                   </a:solidFill>
@@ -4844,7 +4844,7 @@
           <a:p>
             <a:fld id="{48A87A34-81AB-432B-8DAE-1953F412C126}" type="datetimeFigureOut">
               <a:rPr lang="en-US" dirty="0"/>
-              <a:t>02-Sep-24</a:t>
+              <a:t>03-Sep-24</a:t>
             </a:fld>
             <a:endParaRPr lang="en-US" dirty="0"/>
           </a:p>
@@ -5106,7 +5106,7 @@
           <a:p>
             <a:fld id="{48A87A34-81AB-432B-8DAE-1953F412C126}" type="datetimeFigureOut">
               <a:rPr lang="en-US" dirty="0"/>
-              <a:t>02-Sep-24</a:t>
+              <a:t>03-Sep-24</a:t>
             </a:fld>
             <a:endParaRPr lang="en-US" dirty="0"/>
           </a:p>
@@ -5297,7 +5297,7 @@
           <a:p>
             <a:fld id="{48A87A34-81AB-432B-8DAE-1953F412C126}" type="datetimeFigureOut">
               <a:rPr lang="en-US" dirty="0"/>
-              <a:t>02-Sep-24</a:t>
+              <a:t>03-Sep-24</a:t>
             </a:fld>
             <a:endParaRPr lang="en-US" dirty="0"/>
           </a:p>
@@ -5555,7 +5555,7 @@
           <a:p>
             <a:fld id="{48A87A34-81AB-432B-8DAE-1953F412C126}" type="datetimeFigureOut">
               <a:rPr lang="en-US" dirty="0"/>
-              <a:t>02-Sep-24</a:t>
+              <a:t>03-Sep-24</a:t>
             </a:fld>
             <a:endParaRPr lang="en-US" dirty="0"/>
           </a:p>
@@ -5984,7 +5984,7 @@
           <a:p>
             <a:fld id="{48A87A34-81AB-432B-8DAE-1953F412C126}" type="datetimeFigureOut">
               <a:rPr lang="en-US" dirty="0"/>
-              <a:t>02-Sep-24</a:t>
+              <a:t>03-Sep-24</a:t>
             </a:fld>
             <a:endParaRPr lang="en-US" dirty="0"/>
           </a:p>
@@ -6525,7 +6525,7 @@
           <a:p>
             <a:fld id="{48A87A34-81AB-432B-8DAE-1953F412C126}" type="datetimeFigureOut">
               <a:rPr lang="en-US" dirty="0"/>
-              <a:t>02-Sep-24</a:t>
+              <a:t>03-Sep-24</a:t>
             </a:fld>
             <a:endParaRPr lang="en-US" dirty="0"/>
           </a:p>
@@ -7240,7 +7240,7 @@
           <a:p>
             <a:fld id="{48A87A34-81AB-432B-8DAE-1953F412C126}" type="datetimeFigureOut">
               <a:rPr lang="en-US" dirty="0"/>
-              <a:t>02-Sep-24</a:t>
+              <a:t>03-Sep-24</a:t>
             </a:fld>
             <a:endParaRPr lang="en-US" dirty="0"/>
           </a:p>
@@ -7405,7 +7405,7 @@
           <a:p>
             <a:fld id="{48A87A34-81AB-432B-8DAE-1953F412C126}" type="datetimeFigureOut">
               <a:rPr lang="en-US" dirty="0"/>
-              <a:t>02-Sep-24</a:t>
+              <a:t>03-Sep-24</a:t>
             </a:fld>
             <a:endParaRPr lang="en-US" dirty="0"/>
           </a:p>
@@ -7580,7 +7580,7 @@
           <a:p>
             <a:fld id="{48A87A34-81AB-432B-8DAE-1953F412C126}" type="datetimeFigureOut">
               <a:rPr lang="en-US" dirty="0"/>
-              <a:t>02-Sep-24</a:t>
+              <a:t>03-Sep-24</a:t>
             </a:fld>
             <a:endParaRPr lang="en-US" dirty="0"/>
           </a:p>
@@ -7745,7 +7745,7 @@
           <a:p>
             <a:fld id="{48A87A34-81AB-432B-8DAE-1953F412C126}" type="datetimeFigureOut">
               <a:rPr lang="en-US" dirty="0"/>
-              <a:t>02-Sep-24</a:t>
+              <a:t>03-Sep-24</a:t>
             </a:fld>
             <a:endParaRPr lang="en-US" dirty="0"/>
           </a:p>
@@ -7990,7 +7990,7 @@
           <a:p>
             <a:fld id="{48A87A34-81AB-432B-8DAE-1953F412C126}" type="datetimeFigureOut">
               <a:rPr lang="en-US" dirty="0"/>
-              <a:t>02-Sep-24</a:t>
+              <a:t>03-Sep-24</a:t>
             </a:fld>
             <a:endParaRPr lang="en-US" dirty="0"/>
           </a:p>
@@ -8217,7 +8217,7 @@
           <a:p>
             <a:fld id="{48A87A34-81AB-432B-8DAE-1953F412C126}" type="datetimeFigureOut">
               <a:rPr lang="en-US" dirty="0"/>
-              <a:t>02-Sep-24</a:t>
+              <a:t>03-Sep-24</a:t>
             </a:fld>
             <a:endParaRPr lang="en-US" dirty="0"/>
           </a:p>
@@ -8593,7 +8593,7 @@
           <a:p>
             <a:fld id="{48A87A34-81AB-432B-8DAE-1953F412C126}" type="datetimeFigureOut">
               <a:rPr lang="en-US" dirty="0"/>
-              <a:t>02-Sep-24</a:t>
+              <a:t>03-Sep-24</a:t>
             </a:fld>
             <a:endParaRPr lang="en-US" dirty="0"/>
           </a:p>
@@ -8706,7 +8706,7 @@
           <a:p>
             <a:fld id="{48A87A34-81AB-432B-8DAE-1953F412C126}" type="datetimeFigureOut">
               <a:rPr lang="en-US" dirty="0"/>
-              <a:t>02-Sep-24</a:t>
+              <a:t>03-Sep-24</a:t>
             </a:fld>
             <a:endParaRPr lang="en-US" dirty="0"/>
           </a:p>
@@ -8796,7 +8796,7 @@
           <a:p>
             <a:fld id="{48A87A34-81AB-432B-8DAE-1953F412C126}" type="datetimeFigureOut">
               <a:rPr lang="en-US" dirty="0"/>
-              <a:t>02-Sep-24</a:t>
+              <a:t>03-Sep-24</a:t>
             </a:fld>
             <a:endParaRPr lang="en-US" dirty="0"/>
           </a:p>
@@ -9040,7 +9040,7 @@
           <a:p>
             <a:fld id="{48A87A34-81AB-432B-8DAE-1953F412C126}" type="datetimeFigureOut">
               <a:rPr lang="en-US" dirty="0"/>
-              <a:t>02-Sep-24</a:t>
+              <a:t>03-Sep-24</a:t>
             </a:fld>
             <a:endParaRPr lang="en-US" dirty="0"/>
           </a:p>
@@ -9315,7 +9315,7 @@
           <a:p>
             <a:fld id="{48A87A34-81AB-432B-8DAE-1953F412C126}" type="datetimeFigureOut">
               <a:rPr lang="en-US" dirty="0"/>
-              <a:t>02-Sep-24</a:t>
+              <a:t>03-Sep-24</a:t>
             </a:fld>
             <a:endParaRPr lang="en-US" dirty="0"/>
           </a:p>
@@ -9433,7 +9433,7 @@
           <a:noFill/>
           <a:extLst>
             <a:ext uri="{909E8E84-426E-40dd-AFC4-6F175D3DCCD1}">
-              <a14:hiddenFill xmlns="" xmlns:a14="http://schemas.microsoft.com/office/drawing/2010/main">
+              <a14:hiddenFill xmlns:a14="http://schemas.microsoft.com/office/drawing/2010/main" xmlns="">
                 <a:solidFill>
                   <a:srgbClr val="FFFFFF"/>
                 </a:solidFill>
@@ -9507,7 +9507,7 @@
               </a:ln>
               <a:extLst>
                 <a:ext uri="{91240B29-F687-4f45-9708-019B960494DF}">
-                  <a14:hiddenLine xmlns="" xmlns:a14="http://schemas.microsoft.com/office/drawing/2010/main" w="9525">
+                  <a14:hiddenLine xmlns:a14="http://schemas.microsoft.com/office/drawing/2010/main" xmlns="" w="9525">
                     <a:solidFill>
                       <a:srgbClr val="000000"/>
                     </a:solidFill>
@@ -9597,7 +9597,7 @@
               </a:ln>
               <a:extLst>
                 <a:ext uri="{91240B29-F687-4f45-9708-019B960494DF}">
-                  <a14:hiddenLine xmlns="" xmlns:a14="http://schemas.microsoft.com/office/drawing/2010/main" w="9525">
+                  <a14:hiddenLine xmlns:a14="http://schemas.microsoft.com/office/drawing/2010/main" xmlns="" w="9525">
                     <a:solidFill>
                       <a:srgbClr val="000000"/>
                     </a:solidFill>
@@ -9687,7 +9687,7 @@
               </a:ln>
               <a:extLst>
                 <a:ext uri="{91240B29-F687-4f45-9708-019B960494DF}">
-                  <a14:hiddenLine xmlns="" xmlns:a14="http://schemas.microsoft.com/office/drawing/2010/main" w="9525">
+                  <a14:hiddenLine xmlns:a14="http://schemas.microsoft.com/office/drawing/2010/main" xmlns="" w="9525">
                     <a:solidFill>
                       <a:srgbClr val="000000"/>
                     </a:solidFill>
@@ -9749,7 +9749,7 @@
               </a:ln>
               <a:extLst>
                 <a:ext uri="{91240B29-F687-4f45-9708-019B960494DF}">
-                  <a14:hiddenLine xmlns="" xmlns:a14="http://schemas.microsoft.com/office/drawing/2010/main" w="9525">
+                  <a14:hiddenLine xmlns:a14="http://schemas.microsoft.com/office/drawing/2010/main" xmlns="" w="9525">
                     <a:solidFill>
                       <a:srgbClr val="000000"/>
                     </a:solidFill>
@@ -9839,7 +9839,7 @@
               </a:ln>
               <a:extLst>
                 <a:ext uri="{91240B29-F687-4f45-9708-019B960494DF}">
-                  <a14:hiddenLine xmlns="" xmlns:a14="http://schemas.microsoft.com/office/drawing/2010/main" w="9525">
+                  <a14:hiddenLine xmlns:a14="http://schemas.microsoft.com/office/drawing/2010/main" xmlns="" w="9525">
                     <a:solidFill>
                       <a:srgbClr val="000000"/>
                     </a:solidFill>
@@ -9901,7 +9901,7 @@
               </a:ln>
               <a:extLst>
                 <a:ext uri="{91240B29-F687-4f45-9708-019B960494DF}">
-                  <a14:hiddenLine xmlns="" xmlns:a14="http://schemas.microsoft.com/office/drawing/2010/main" w="9525">
+                  <a14:hiddenLine xmlns:a14="http://schemas.microsoft.com/office/drawing/2010/main" xmlns="" w="9525">
                     <a:solidFill>
                       <a:srgbClr val="000000"/>
                     </a:solidFill>
@@ -9963,7 +9963,7 @@
               </a:ln>
               <a:extLst>
                 <a:ext uri="{91240B29-F687-4f45-9708-019B960494DF}">
-                  <a14:hiddenLine xmlns="" xmlns:a14="http://schemas.microsoft.com/office/drawing/2010/main" w="9525">
+                  <a14:hiddenLine xmlns:a14="http://schemas.microsoft.com/office/drawing/2010/main" xmlns="" w="9525">
                     <a:solidFill>
                       <a:srgbClr val="000000"/>
                     </a:solidFill>
@@ -10053,7 +10053,7 @@
               </a:ln>
               <a:extLst>
                 <a:ext uri="{91240B29-F687-4f45-9708-019B960494DF}">
-                  <a14:hiddenLine xmlns="" xmlns:a14="http://schemas.microsoft.com/office/drawing/2010/main" w="9525">
+                  <a14:hiddenLine xmlns:a14="http://schemas.microsoft.com/office/drawing/2010/main" xmlns="" w="9525">
                     <a:solidFill>
                       <a:srgbClr val="000000"/>
                     </a:solidFill>
@@ -10143,7 +10143,7 @@
               </a:ln>
               <a:extLst>
                 <a:ext uri="{91240B29-F687-4f45-9708-019B960494DF}">
-                  <a14:hiddenLine xmlns="" xmlns:a14="http://schemas.microsoft.com/office/drawing/2010/main" w="9525">
+                  <a14:hiddenLine xmlns:a14="http://schemas.microsoft.com/office/drawing/2010/main" xmlns="" w="9525">
                     <a:solidFill>
                       <a:srgbClr val="000000"/>
                     </a:solidFill>
@@ -10205,7 +10205,7 @@
               </a:ln>
               <a:extLst>
                 <a:ext uri="{91240B29-F687-4f45-9708-019B960494DF}">
-                  <a14:hiddenLine xmlns="" xmlns:a14="http://schemas.microsoft.com/office/drawing/2010/main" w="9525">
+                  <a14:hiddenLine xmlns:a14="http://schemas.microsoft.com/office/drawing/2010/main" xmlns="" w="9525">
                     <a:solidFill>
                       <a:srgbClr val="000000"/>
                     </a:solidFill>
@@ -10315,7 +10315,7 @@
               </a:ln>
               <a:extLst>
                 <a:ext uri="{91240B29-F687-4f45-9708-019B960494DF}">
-                  <a14:hiddenLine xmlns="" xmlns:a14="http://schemas.microsoft.com/office/drawing/2010/main" w="9525">
+                  <a14:hiddenLine xmlns:a14="http://schemas.microsoft.com/office/drawing/2010/main" xmlns="" w="9525">
                     <a:solidFill>
                       <a:srgbClr val="000000"/>
                     </a:solidFill>
@@ -10399,7 +10399,7 @@
               </a:ln>
               <a:extLst>
                 <a:ext uri="{91240B29-F687-4f45-9708-019B960494DF}">
-                  <a14:hiddenLine xmlns="" xmlns:a14="http://schemas.microsoft.com/office/drawing/2010/main" w="9525">
+                  <a14:hiddenLine xmlns:a14="http://schemas.microsoft.com/office/drawing/2010/main" xmlns="" w="9525">
                     <a:solidFill>
                       <a:srgbClr val="000000"/>
                     </a:solidFill>
@@ -10461,7 +10461,7 @@
               </a:ln>
               <a:extLst>
                 <a:ext uri="{91240B29-F687-4f45-9708-019B960494DF}">
-                  <a14:hiddenLine xmlns="" xmlns:a14="http://schemas.microsoft.com/office/drawing/2010/main" w="9525">
+                  <a14:hiddenLine xmlns:a14="http://schemas.microsoft.com/office/drawing/2010/main" xmlns="" w="9525">
                     <a:solidFill>
                       <a:srgbClr val="000000"/>
                     </a:solidFill>
@@ -10523,7 +10523,7 @@
               </a:ln>
               <a:extLst>
                 <a:ext uri="{91240B29-F687-4f45-9708-019B960494DF}">
-                  <a14:hiddenLine xmlns="" xmlns:a14="http://schemas.microsoft.com/office/drawing/2010/main" w="9525">
+                  <a14:hiddenLine xmlns:a14="http://schemas.microsoft.com/office/drawing/2010/main" xmlns="" w="9525">
                     <a:solidFill>
                       <a:srgbClr val="000000"/>
                     </a:solidFill>
@@ -10613,7 +10613,7 @@
               </a:ln>
               <a:extLst>
                 <a:ext uri="{91240B29-F687-4f45-9708-019B960494DF}">
-                  <a14:hiddenLine xmlns="" xmlns:a14="http://schemas.microsoft.com/office/drawing/2010/main" w="9525">
+                  <a14:hiddenLine xmlns:a14="http://schemas.microsoft.com/office/drawing/2010/main" xmlns="" w="9525">
                     <a:solidFill>
                       <a:srgbClr val="000000"/>
                     </a:solidFill>
@@ -10647,7 +10647,7 @@
               </a:ln>
               <a:extLst>
                 <a:ext uri="{91240B29-F687-4f45-9708-019B960494DF}">
-                  <a14:hiddenLine xmlns="" xmlns:a14="http://schemas.microsoft.com/office/drawing/2010/main" w="9525">
+                  <a14:hiddenLine xmlns:a14="http://schemas.microsoft.com/office/drawing/2010/main" xmlns="" w="9525">
                     <a:solidFill>
                       <a:srgbClr val="000000"/>
                     </a:solidFill>
@@ -10712,7 +10712,7 @@
               </a:ln>
               <a:extLst>
                 <a:ext uri="{91240B29-F687-4f45-9708-019B960494DF}">
-                  <a14:hiddenLine xmlns="" xmlns:a14="http://schemas.microsoft.com/office/drawing/2010/main" w="9525">
+                  <a14:hiddenLine xmlns:a14="http://schemas.microsoft.com/office/drawing/2010/main" xmlns="" w="9525">
                     <a:solidFill>
                       <a:srgbClr val="000000"/>
                     </a:solidFill>
@@ -10802,7 +10802,7 @@
               </a:ln>
               <a:extLst>
                 <a:ext uri="{91240B29-F687-4f45-9708-019B960494DF}">
-                  <a14:hiddenLine xmlns="" xmlns:a14="http://schemas.microsoft.com/office/drawing/2010/main" w="9525">
+                  <a14:hiddenLine xmlns:a14="http://schemas.microsoft.com/office/drawing/2010/main" xmlns="" w="9525">
                     <a:solidFill>
                       <a:srgbClr val="000000"/>
                     </a:solidFill>
@@ -10864,7 +10864,7 @@
               </a:ln>
               <a:extLst>
                 <a:ext uri="{91240B29-F687-4f45-9708-019B960494DF}">
-                  <a14:hiddenLine xmlns="" xmlns:a14="http://schemas.microsoft.com/office/drawing/2010/main" w="9525">
+                  <a14:hiddenLine xmlns:a14="http://schemas.microsoft.com/office/drawing/2010/main" xmlns="" w="9525">
                     <a:solidFill>
                       <a:srgbClr val="000000"/>
                     </a:solidFill>
@@ -10954,7 +10954,7 @@
               </a:ln>
               <a:extLst>
                 <a:ext uri="{91240B29-F687-4f45-9708-019B960494DF}">
-                  <a14:hiddenLine xmlns="" xmlns:a14="http://schemas.microsoft.com/office/drawing/2010/main" w="9525">
+                  <a14:hiddenLine xmlns:a14="http://schemas.microsoft.com/office/drawing/2010/main" xmlns="" w="9525">
                     <a:solidFill>
                       <a:srgbClr val="000000"/>
                     </a:solidFill>
@@ -11019,7 +11019,7 @@
               </a:ln>
               <a:extLst>
                 <a:ext uri="{91240B29-F687-4f45-9708-019B960494DF}">
-                  <a14:hiddenLine xmlns="" xmlns:a14="http://schemas.microsoft.com/office/drawing/2010/main" w="9525">
+                  <a14:hiddenLine xmlns:a14="http://schemas.microsoft.com/office/drawing/2010/main" xmlns="" w="9525">
                     <a:solidFill>
                       <a:srgbClr val="000000"/>
                     </a:solidFill>
@@ -11081,7 +11081,7 @@
               </a:ln>
               <a:extLst>
                 <a:ext uri="{91240B29-F687-4f45-9708-019B960494DF}">
-                  <a14:hiddenLine xmlns="" xmlns:a14="http://schemas.microsoft.com/office/drawing/2010/main" w="9525">
+                  <a14:hiddenLine xmlns:a14="http://schemas.microsoft.com/office/drawing/2010/main" xmlns="" w="9525">
                     <a:solidFill>
                       <a:srgbClr val="000000"/>
                     </a:solidFill>
@@ -11171,7 +11171,7 @@
               </a:ln>
               <a:extLst>
                 <a:ext uri="{91240B29-F687-4f45-9708-019B960494DF}">
-                  <a14:hiddenLine xmlns="" xmlns:a14="http://schemas.microsoft.com/office/drawing/2010/main" w="9525">
+                  <a14:hiddenLine xmlns:a14="http://schemas.microsoft.com/office/drawing/2010/main" xmlns="" w="9525">
                     <a:solidFill>
                       <a:srgbClr val="000000"/>
                     </a:solidFill>
@@ -11261,7 +11261,7 @@
               </a:ln>
               <a:extLst>
                 <a:ext uri="{91240B29-F687-4f45-9708-019B960494DF}">
-                  <a14:hiddenLine xmlns="" xmlns:a14="http://schemas.microsoft.com/office/drawing/2010/main" w="9525">
+                  <a14:hiddenLine xmlns:a14="http://schemas.microsoft.com/office/drawing/2010/main" xmlns="" w="9525">
                     <a:solidFill>
                       <a:srgbClr val="000000"/>
                     </a:solidFill>
@@ -11326,7 +11326,7 @@
               </a:ln>
               <a:extLst>
                 <a:ext uri="{91240B29-F687-4f45-9708-019B960494DF}">
-                  <a14:hiddenLine xmlns="" xmlns:a14="http://schemas.microsoft.com/office/drawing/2010/main" w="9525">
+                  <a14:hiddenLine xmlns:a14="http://schemas.microsoft.com/office/drawing/2010/main" xmlns="" w="9525">
                     <a:solidFill>
                       <a:srgbClr val="000000"/>
                     </a:solidFill>
@@ -11446,7 +11446,7 @@
               </a:ln>
               <a:extLst>
                 <a:ext uri="{91240B29-F687-4f45-9708-019B960494DF}">
-                  <a14:hiddenLine xmlns="" xmlns:a14="http://schemas.microsoft.com/office/drawing/2010/main" w="9525">
+                  <a14:hiddenLine xmlns:a14="http://schemas.microsoft.com/office/drawing/2010/main" xmlns="" w="9525">
                     <a:solidFill>
                       <a:srgbClr val="000000"/>
                     </a:solidFill>
@@ -11527,7 +11527,7 @@
               </a:ln>
               <a:extLst>
                 <a:ext uri="{91240B29-F687-4f45-9708-019B960494DF}">
-                  <a14:hiddenLine xmlns="" xmlns:a14="http://schemas.microsoft.com/office/drawing/2010/main" w="9525">
+                  <a14:hiddenLine xmlns:a14="http://schemas.microsoft.com/office/drawing/2010/main" xmlns="" w="9525">
                     <a:solidFill>
                       <a:srgbClr val="000000"/>
                     </a:solidFill>
@@ -11642,7 +11642,7 @@
               </a:ln>
               <a:extLst>
                 <a:ext uri="{91240B29-F687-4f45-9708-019B960494DF}">
-                  <a14:hiddenLine xmlns="" xmlns:a14="http://schemas.microsoft.com/office/drawing/2010/main" w="9525">
+                  <a14:hiddenLine xmlns:a14="http://schemas.microsoft.com/office/drawing/2010/main" xmlns="" w="9525">
                     <a:solidFill>
                       <a:srgbClr val="000000"/>
                     </a:solidFill>
@@ -11732,7 +11732,7 @@
               </a:ln>
               <a:extLst>
                 <a:ext uri="{91240B29-F687-4f45-9708-019B960494DF}">
-                  <a14:hiddenLine xmlns="" xmlns:a14="http://schemas.microsoft.com/office/drawing/2010/main" w="9525">
+                  <a14:hiddenLine xmlns:a14="http://schemas.microsoft.com/office/drawing/2010/main" xmlns="" w="9525">
                     <a:solidFill>
                       <a:srgbClr val="000000"/>
                     </a:solidFill>
@@ -11797,7 +11797,7 @@
               </a:ln>
               <a:extLst>
                 <a:ext uri="{91240B29-F687-4f45-9708-019B960494DF}">
-                  <a14:hiddenLine xmlns="" xmlns:a14="http://schemas.microsoft.com/office/drawing/2010/main" w="9525">
+                  <a14:hiddenLine xmlns:a14="http://schemas.microsoft.com/office/drawing/2010/main" xmlns="" w="9525">
                     <a:solidFill>
                       <a:srgbClr val="000000"/>
                     </a:solidFill>
@@ -11887,7 +11887,7 @@
               </a:ln>
               <a:extLst>
                 <a:ext uri="{91240B29-F687-4f45-9708-019B960494DF}">
-                  <a14:hiddenLine xmlns="" xmlns:a14="http://schemas.microsoft.com/office/drawing/2010/main" w="9525">
+                  <a14:hiddenLine xmlns:a14="http://schemas.microsoft.com/office/drawing/2010/main" xmlns="" w="9525">
                     <a:solidFill>
                       <a:srgbClr val="000000"/>
                     </a:solidFill>
@@ -11955,7 +11955,7 @@
               </a:ln>
               <a:extLst>
                 <a:ext uri="{91240B29-F687-4f45-9708-019B960494DF}">
-                  <a14:hiddenLine xmlns="" xmlns:a14="http://schemas.microsoft.com/office/drawing/2010/main" w="9525">
+                  <a14:hiddenLine xmlns:a14="http://schemas.microsoft.com/office/drawing/2010/main" xmlns="" w="9525">
                     <a:solidFill>
                       <a:srgbClr val="000000"/>
                     </a:solidFill>
@@ -12045,7 +12045,7 @@
               </a:ln>
               <a:extLst>
                 <a:ext uri="{91240B29-F687-4f45-9708-019B960494DF}">
-                  <a14:hiddenLine xmlns="" xmlns:a14="http://schemas.microsoft.com/office/drawing/2010/main" w="9525">
+                  <a14:hiddenLine xmlns:a14="http://schemas.microsoft.com/office/drawing/2010/main" xmlns="" w="9525">
                     <a:solidFill>
                       <a:srgbClr val="000000"/>
                     </a:solidFill>
@@ -12113,7 +12113,7 @@
               </a:ln>
               <a:extLst>
                 <a:ext uri="{91240B29-F687-4f45-9708-019B960494DF}">
-                  <a14:hiddenLine xmlns="" xmlns:a14="http://schemas.microsoft.com/office/drawing/2010/main" w="9525">
+                  <a14:hiddenLine xmlns:a14="http://schemas.microsoft.com/office/drawing/2010/main" xmlns="" w="9525">
                     <a:solidFill>
                       <a:srgbClr val="000000"/>
                     </a:solidFill>
@@ -12203,7 +12203,7 @@
               </a:ln>
               <a:extLst>
                 <a:ext uri="{91240B29-F687-4f45-9708-019B960494DF}">
-                  <a14:hiddenLine xmlns="" xmlns:a14="http://schemas.microsoft.com/office/drawing/2010/main" w="9525">
+                  <a14:hiddenLine xmlns:a14="http://schemas.microsoft.com/office/drawing/2010/main" xmlns="" w="9525">
                     <a:solidFill>
                       <a:srgbClr val="000000"/>
                     </a:solidFill>
@@ -12237,7 +12237,7 @@
               </a:ln>
               <a:extLst>
                 <a:ext uri="{91240B29-F687-4f45-9708-019B960494DF}">
-                  <a14:hiddenLine xmlns="" xmlns:a14="http://schemas.microsoft.com/office/drawing/2010/main" w="9525">
+                  <a14:hiddenLine xmlns:a14="http://schemas.microsoft.com/office/drawing/2010/main" xmlns="" w="9525">
                     <a:solidFill>
                       <a:srgbClr val="000000"/>
                     </a:solidFill>
@@ -12378,7 +12378,7 @@
             <a:fld id="{48A87A34-81AB-432B-8DAE-1953F412C126}" type="datetimeFigureOut">
               <a:rPr lang="en-US" dirty="0"/>
               <a:pPr/>
-              <a:t>02-Sep-24</a:t>
+              <a:t>03-Sep-24</a:t>
             </a:fld>
             <a:endParaRPr lang="en-US" dirty="0"/>
           </a:p>
@@ -16912,7 +16912,7 @@
         <p:spPr>
           <a:xfrm>
             <a:off x="268941" y="1066801"/>
-            <a:ext cx="11659527" cy="3108543"/>
+            <a:ext cx="11659527" cy="3323987"/>
           </a:xfrm>
           <a:prstGeom prst="rect">
             <a:avLst/>
@@ -17300,9 +17300,6 @@
             <a:br>
               <a:rPr lang="en-US" sz="1400" dirty="0"/>
             </a:br>
-            <a:endParaRPr lang="en-US" sz="1400" dirty="0"/>
-          </a:p>
-          <a:p>
             <a:br>
               <a:rPr lang="en-US" sz="1400" dirty="0"/>
             </a:br>
@@ -17311,19 +17308,245 @@
               <a:t>3. </a:t>
             </a:r>
             <a:r>
-              <a:rPr lang="it-IT" sz="1400" dirty="0"/>
-              <a:t> EXPLICAȚI DIFERENȚA ÎNTRE RETESTING ȘI REGRESSION TESTING</a:t>
-            </a:r>
-            <a:br>
-              <a:rPr lang="it-IT" sz="1400" dirty="0"/>
-            </a:br>
-            <a:br>
-              <a:rPr lang="it-IT" sz="1400" dirty="0"/>
-            </a:br>
-            <a:r>
-              <a:rPr lang="it-IT" sz="1400" dirty="0"/>
-              <a:t>•	Retesting este procesul de testare a unei componente sau funcționalități după ce a fost remediată o eroare. Regression testing este testarea sistemului pentru a se asigura că modificările recente nu au afectat funcționalitățile existente.</a:t>
-            </a:r>
+              <a:rPr lang="en-US" sz="1400" b="0" i="0" dirty="0">
+                <a:effectLst/>
+                <a:latin typeface="inherit"/>
+              </a:rPr>
+              <a:t>EXPLICAȚI DIFERENȚA ÎNTRE RETESTING ȘI REGRESSION TESTING</a:t>
+            </a:r>
+          </a:p>
+          <a:p>
+            <a:pPr algn="l" fontAlgn="base"/>
+            <a:endParaRPr lang="en-US" sz="1400" b="0" i="0" dirty="0">
+              <a:effectLst/>
+              <a:latin typeface="inherit"/>
+            </a:endParaRPr>
+          </a:p>
+          <a:p>
+            <a:r>
+              <a:rPr lang="en-US" sz="1400" b="0" i="0" dirty="0">
+                <a:effectLst/>
+                <a:latin typeface="gg sans"/>
+              </a:rPr>
+              <a:t>• Retesting </a:t>
+            </a:r>
+            <a:r>
+              <a:rPr lang="en-US" sz="1400" b="0" i="0" dirty="0" err="1">
+                <a:effectLst/>
+                <a:latin typeface="gg sans"/>
+              </a:rPr>
+              <a:t>este</a:t>
+            </a:r>
+            <a:r>
+              <a:rPr lang="en-US" sz="1400" b="0" i="0" dirty="0">
+                <a:effectLst/>
+                <a:latin typeface="gg sans"/>
+              </a:rPr>
+              <a:t> tipul de testare a unei </a:t>
+            </a:r>
+            <a:r>
+              <a:rPr lang="en-US" sz="1400" b="0" i="0" dirty="0" err="1">
+                <a:effectLst/>
+                <a:latin typeface="gg sans"/>
+              </a:rPr>
+              <a:t>componente</a:t>
+            </a:r>
+            <a:r>
+              <a:rPr lang="en-US" sz="1400" b="0" i="0" dirty="0">
+                <a:effectLst/>
+                <a:latin typeface="gg sans"/>
+              </a:rPr>
+              <a:t> </a:t>
+            </a:r>
+            <a:r>
+              <a:rPr lang="en-US" sz="1400" b="0" i="0" dirty="0" err="1">
+                <a:effectLst/>
+                <a:latin typeface="gg sans"/>
+              </a:rPr>
+              <a:t>sau</a:t>
+            </a:r>
+            <a:r>
+              <a:rPr lang="en-US" sz="1400" b="0" i="0" dirty="0">
+                <a:effectLst/>
+                <a:latin typeface="gg sans"/>
+              </a:rPr>
+              <a:t> </a:t>
+            </a:r>
+            <a:r>
+              <a:rPr lang="en-US" sz="1400" b="0" i="0" dirty="0" err="1">
+                <a:effectLst/>
+                <a:latin typeface="gg sans"/>
+              </a:rPr>
+              <a:t>funcționalități</a:t>
+            </a:r>
+            <a:r>
+              <a:rPr lang="en-US" sz="1400" b="0" i="0" dirty="0">
+                <a:effectLst/>
+                <a:latin typeface="gg sans"/>
+              </a:rPr>
+              <a:t> după </a:t>
+            </a:r>
+            <a:r>
+              <a:rPr lang="en-US" sz="1400" b="0" i="0" dirty="0" err="1">
+                <a:effectLst/>
+                <a:latin typeface="gg sans"/>
+              </a:rPr>
+              <a:t>ce</a:t>
+            </a:r>
+            <a:r>
+              <a:rPr lang="en-US" sz="1400" b="0" i="0" dirty="0">
+                <a:effectLst/>
+                <a:latin typeface="gg sans"/>
+              </a:rPr>
+              <a:t> a fost </a:t>
+            </a:r>
+            <a:r>
+              <a:rPr lang="en-US" sz="1400" b="0" i="0" dirty="0" err="1">
+                <a:effectLst/>
+                <a:latin typeface="gg sans"/>
+              </a:rPr>
+              <a:t>remediată</a:t>
+            </a:r>
+            <a:r>
+              <a:rPr lang="en-US" sz="1400" b="0" i="0" dirty="0">
+                <a:effectLst/>
+                <a:latin typeface="gg sans"/>
+              </a:rPr>
+              <a:t> o </a:t>
+            </a:r>
+            <a:r>
+              <a:rPr lang="en-US" sz="1400" b="0" i="0" dirty="0" err="1">
+                <a:effectLst/>
+                <a:latin typeface="gg sans"/>
+              </a:rPr>
+              <a:t>eroare</a:t>
+            </a:r>
+            <a:r>
+              <a:rPr lang="en-US" sz="1400" b="0" i="0" dirty="0">
+                <a:effectLst/>
+                <a:latin typeface="gg sans"/>
+              </a:rPr>
+              <a:t>. Regression testing </a:t>
+            </a:r>
+            <a:r>
+              <a:rPr lang="en-US" sz="1400" b="0" i="0" dirty="0" err="1">
+                <a:effectLst/>
+                <a:latin typeface="gg sans"/>
+              </a:rPr>
+              <a:t>este</a:t>
+            </a:r>
+            <a:r>
+              <a:rPr lang="en-US" sz="1400" b="0" i="0" dirty="0">
+                <a:effectLst/>
+                <a:latin typeface="gg sans"/>
+              </a:rPr>
+              <a:t> un tip de testare a </a:t>
+            </a:r>
+            <a:r>
+              <a:rPr lang="en-US" sz="1400" b="0" i="0" dirty="0" err="1">
+                <a:effectLst/>
+                <a:latin typeface="gg sans"/>
+              </a:rPr>
+              <a:t>sistemului</a:t>
+            </a:r>
+            <a:r>
+              <a:rPr lang="en-US" sz="1400" b="0" i="0" dirty="0">
+                <a:effectLst/>
+                <a:latin typeface="gg sans"/>
+              </a:rPr>
+              <a:t> care se face pentru a se </a:t>
+            </a:r>
+            <a:r>
+              <a:rPr lang="en-US" sz="1400" b="0" i="0" dirty="0" err="1">
+                <a:effectLst/>
+                <a:latin typeface="gg sans"/>
+              </a:rPr>
+              <a:t>asigura</a:t>
+            </a:r>
+            <a:r>
+              <a:rPr lang="en-US" sz="1400" b="0" i="0" dirty="0">
+                <a:effectLst/>
+                <a:latin typeface="gg sans"/>
+              </a:rPr>
+              <a:t> că </a:t>
+            </a:r>
+            <a:r>
+              <a:rPr lang="en-US" sz="1400" b="0" i="0" dirty="0" err="1">
+                <a:effectLst/>
+                <a:latin typeface="gg sans"/>
+              </a:rPr>
+              <a:t>modificările</a:t>
+            </a:r>
+            <a:r>
+              <a:rPr lang="en-US" sz="1400" b="0" i="0" dirty="0">
+                <a:effectLst/>
+                <a:latin typeface="gg sans"/>
+              </a:rPr>
+              <a:t> </a:t>
+            </a:r>
+            <a:r>
+              <a:rPr lang="en-US" sz="1400" b="0" i="0" dirty="0" err="1">
+                <a:effectLst/>
+                <a:latin typeface="gg sans"/>
+              </a:rPr>
+              <a:t>recente</a:t>
+            </a:r>
+            <a:r>
+              <a:rPr lang="en-US" sz="1400" b="0" i="0" dirty="0">
+                <a:effectLst/>
+                <a:latin typeface="gg sans"/>
+              </a:rPr>
+              <a:t> nu au </a:t>
+            </a:r>
+            <a:r>
+              <a:rPr lang="en-US" sz="1400" b="0" i="0" dirty="0" err="1">
+                <a:effectLst/>
+                <a:latin typeface="gg sans"/>
+              </a:rPr>
+              <a:t>afectat</a:t>
+            </a:r>
+            <a:r>
+              <a:rPr lang="en-US" sz="1400" b="0" i="0" dirty="0">
+                <a:effectLst/>
+                <a:latin typeface="gg sans"/>
+              </a:rPr>
+              <a:t> </a:t>
+            </a:r>
+            <a:r>
+              <a:rPr lang="en-US" sz="1400" b="0" i="0" dirty="0" err="1">
+                <a:effectLst/>
+                <a:latin typeface="gg sans"/>
+              </a:rPr>
+              <a:t>funcționalitățile</a:t>
+            </a:r>
+            <a:r>
+              <a:rPr lang="en-US" sz="1400" b="0" i="0" dirty="0">
+                <a:effectLst/>
+                <a:latin typeface="gg sans"/>
+              </a:rPr>
+              <a:t> </a:t>
+            </a:r>
+            <a:r>
+              <a:rPr lang="en-US" sz="1400" b="0" i="0" dirty="0" err="1">
+                <a:effectLst/>
+                <a:latin typeface="gg sans"/>
+              </a:rPr>
+              <a:t>existente</a:t>
+            </a:r>
+            <a:r>
+              <a:rPr lang="en-US" sz="1400" b="0" i="0" dirty="0">
+                <a:effectLst/>
+                <a:latin typeface="gg sans"/>
+              </a:rPr>
+              <a:t>.</a:t>
+            </a:r>
+          </a:p>
+          <a:p>
+            <a:endParaRPr lang="en-US" sz="1400">
+              <a:latin typeface="gg sans"/>
+            </a:endParaRPr>
+          </a:p>
+          <a:p>
             <a:endParaRPr lang="en-US" sz="1400" dirty="0"/>
           </a:p>
         </p:txBody>
